--- a/pictures/architecture.pptx
+++ b/pictures/architecture.pptx
@@ -8,7 +8,7 @@
     <p:notesMasterId r:id="rId3"/>
   </p:notesMasterIdLst>
   <p:sldIdLst>
-    <p:sldId id="1661" r:id="rId2"/>
+    <p:sldId id="1662" r:id="rId2"/>
   </p:sldIdLst>
   <p:sldSz cx="12801600" cy="9601200" type="A3"/>
   <p:notesSz cx="7559675" cy="10691813"/>
@@ -257,7 +257,7 @@
       </p15:sldGuideLst>
     </p:ext>
     <p:ext uri="http://customooxmlschemas.google.com/">
-      <go:slidesCustomData xmlns:go="http://customooxmlschemas.google.com/" xmlns:ahyp="http://schemas.microsoft.com/office/drawing/2018/hyperlinkcolor" xmlns:p15="http://schemas.microsoft.com/office/powerpoint/2012/main" xmlns:p14="http://schemas.microsoft.com/office/powerpoint/2010/main" xmlns:com="http://schemas.openxmlformats.org/drawingml/2006/compatibility" xmlns:pvml="urn:schemas-microsoft-com:office:powerpoint" xmlns:v="urn:schemas-microsoft-com:vml" xmlns:o="urn:schemas-microsoft-com:office:office" xmlns:dgm="http://schemas.openxmlformats.org/drawingml/2006/diagram" xmlns:c="http://schemas.openxmlformats.org/drawingml/2006/chart" xmlns:mv="urn:schemas-microsoft-com:mac:vml" xmlns:mc="http://schemas.openxmlformats.org/markup-compatibility/2006" xmlns="" r:id="rId226" roundtripDataSignature="AMtx7mj5Nbz17Azlvty/BPG0mrCnaiOAow=="/>
+      <go:slidesCustomData xmlns="" xmlns:mc="http://schemas.openxmlformats.org/markup-compatibility/2006" xmlns:mv="urn:schemas-microsoft-com:mac:vml" xmlns:c="http://schemas.openxmlformats.org/drawingml/2006/chart" xmlns:dgm="http://schemas.openxmlformats.org/drawingml/2006/diagram" xmlns:o="urn:schemas-microsoft-com:office:office" xmlns:v="urn:schemas-microsoft-com:vml" xmlns:pvml="urn:schemas-microsoft-com:office:powerpoint" xmlns:com="http://schemas.openxmlformats.org/drawingml/2006/compatibility" xmlns:p14="http://schemas.microsoft.com/office/powerpoint/2010/main" xmlns:p15="http://schemas.microsoft.com/office/powerpoint/2012/main" xmlns:ahyp="http://schemas.microsoft.com/office/drawing/2018/hyperlinkcolor" xmlns:go="http://customooxmlschemas.google.com/" r:id="rId226" roundtripDataSignature="AMtx7mj5Nbz17Azlvty/BPG0mrCnaiOAow=="/>
     </p:ext>
   </p:extLst>
 </p:presentation>
@@ -7954,7 +7954,7 @@
         <p:spPr>
           <a:xfrm>
             <a:off x="4297611" y="864784"/>
-            <a:ext cx="6709055" cy="7507051"/>
+            <a:ext cx="6709055" cy="7730574"/>
           </a:xfrm>
           <a:prstGeom prst="rect">
             <a:avLst/>
@@ -8252,7 +8252,7 @@
         </p:blipFill>
         <p:spPr bwMode="auto">
           <a:xfrm>
-            <a:off x="9693491" y="2520223"/>
+            <a:off x="9651312" y="1459683"/>
             <a:ext cx="533400" cy="533400"/>
           </a:xfrm>
           <a:prstGeom prst="rect">
@@ -8299,7 +8299,7 @@
         </p:nvSpPr>
         <p:spPr bwMode="auto">
           <a:xfrm>
-            <a:off x="9428195" y="3046505"/>
+            <a:off x="9352956" y="2018557"/>
             <a:ext cx="1104425" cy="246221"/>
           </a:xfrm>
           <a:prstGeom prst="rect">
@@ -8896,7 +8896,7 @@
         </p:blipFill>
         <p:spPr>
           <a:xfrm>
-            <a:off x="6802647" y="1440581"/>
+            <a:off x="7804525" y="6517963"/>
             <a:ext cx="540000" cy="540000"/>
           </a:xfrm>
           <a:prstGeom prst="rect">
@@ -8918,7 +8918,7 @@
         </p:nvSpPr>
         <p:spPr>
           <a:xfrm>
-            <a:off x="6131693" y="1984902"/>
+            <a:off x="7133571" y="7092533"/>
             <a:ext cx="1888776" cy="246221"/>
           </a:xfrm>
           <a:prstGeom prst="rect">
@@ -8978,81 +8978,6 @@
           </a:ln>
         </p:spPr>
       </p:cxnSp>
-      <p:sp>
-        <p:nvSpPr>
-          <p:cNvPr id="23" name="TextBox 22">
-            <a:extLst>
-              <a:ext uri="{FF2B5EF4-FFF2-40B4-BE49-F238E27FC236}">
-                <a16:creationId xmlns:a16="http://schemas.microsoft.com/office/drawing/2014/main" id="{1A292E69-72D3-BE75-6815-B436BAA6EE41}"/>
-              </a:ext>
-            </a:extLst>
-          </p:cNvPr>
-          <p:cNvSpPr txBox="1"/>
-          <p:nvPr/>
-        </p:nvSpPr>
-        <p:spPr>
-          <a:xfrm>
-            <a:off x="4481696" y="5398896"/>
-            <a:ext cx="938244" cy="246221"/>
-          </a:xfrm>
-          <a:prstGeom prst="rect">
-            <a:avLst/>
-          </a:prstGeom>
-          <a:noFill/>
-        </p:spPr>
-        <p:txBody>
-          <a:bodyPr wrap="square" rtlCol="0">
-            <a:spAutoFit/>
-          </a:bodyPr>
-          <a:lstStyle/>
-          <a:p>
-            <a:pPr algn="ctr"/>
-            <a:r>
-              <a:rPr lang="en-US" sz="1000" dirty="0">
-                <a:latin typeface="+mn-lt"/>
-                <a:cs typeface="Arial" panose="020B0604020202020204" pitchFamily="34" charset="0"/>
-              </a:rPr>
-              <a:t>Amazon S3</a:t>
-            </a:r>
-          </a:p>
-        </p:txBody>
-      </p:sp>
-      <p:pic>
-        <p:nvPicPr>
-          <p:cNvPr id="29" name="Graphic 28">
-            <a:extLst>
-              <a:ext uri="{FF2B5EF4-FFF2-40B4-BE49-F238E27FC236}">
-                <a16:creationId xmlns:a16="http://schemas.microsoft.com/office/drawing/2014/main" id="{C20C2C07-B3EF-C80F-5020-2C0F9B87FD1E}"/>
-              </a:ext>
-            </a:extLst>
-          </p:cNvPr>
-          <p:cNvPicPr>
-            <a:picLocks noChangeAspect="1"/>
-          </p:cNvPicPr>
-          <p:nvPr/>
-        </p:nvPicPr>
-        <p:blipFill>
-          <a:blip r:embed="rId10">
-            <a:extLst>
-              <a:ext uri="{96DAC541-7B7A-43D3-8B79-37D633B846F1}">
-                <asvg:svgBlip xmlns:asvg="http://schemas.microsoft.com/office/drawing/2016/SVG/main" r:embed="rId11"/>
-              </a:ext>
-            </a:extLst>
-          </a:blip>
-          <a:stretch>
-            <a:fillRect/>
-          </a:stretch>
-        </p:blipFill>
-        <p:spPr>
-          <a:xfrm>
-            <a:off x="4729303" y="5011553"/>
-            <a:ext cx="431278" cy="431278"/>
-          </a:xfrm>
-          <a:prstGeom prst="rect">
-            <a:avLst/>
-          </a:prstGeom>
-        </p:spPr>
-      </p:pic>
       <p:pic>
         <p:nvPicPr>
           <p:cNvPr id="30" name="Graphic 10">
@@ -9652,40 +9577,6 @@
             <a:round/>
             <a:headEnd type="stealth" w="med" len="med"/>
             <a:tailEnd type="stealth" w="med" len="med"/>
-          </a:ln>
-        </p:spPr>
-      </p:cxnSp>
-      <p:cxnSp>
-        <p:nvCxnSpPr>
-          <p:cNvPr id="79" name="Google Shape;279;p7">
-            <a:extLst>
-              <a:ext uri="{FF2B5EF4-FFF2-40B4-BE49-F238E27FC236}">
-                <a16:creationId xmlns:a16="http://schemas.microsoft.com/office/drawing/2014/main" id="{2ECAB9DD-D4F4-DC41-B994-B6527618438B}"/>
-              </a:ext>
-            </a:extLst>
-          </p:cNvPr>
-          <p:cNvCxnSpPr>
-            <a:cxnSpLocks/>
-          </p:cNvCxnSpPr>
-          <p:nvPr/>
-        </p:nvCxnSpPr>
-        <p:spPr>
-          <a:xfrm flipV="1">
-            <a:off x="4771027" y="3405631"/>
-            <a:ext cx="0" cy="327639"/>
-          </a:xfrm>
-          <a:prstGeom prst="straightConnector1">
-            <a:avLst/>
-          </a:prstGeom>
-          <a:noFill/>
-          <a:ln w="12700" cap="flat" cmpd="sng">
-            <a:solidFill>
-              <a:srgbClr val="FF0000"/>
-            </a:solidFill>
-            <a:prstDash val="solid"/>
-            <a:round/>
-            <a:headEnd type="none" w="med" len="med"/>
-            <a:tailEnd type="none" w="med" len="med"/>
           </a:ln>
         </p:spPr>
       </p:cxnSp>
@@ -9875,7 +9766,7 @@
         </p:nvSpPr>
         <p:spPr bwMode="auto">
           <a:xfrm>
-            <a:off x="9340325" y="5535403"/>
+            <a:off x="9395587" y="4665201"/>
             <a:ext cx="1129688" cy="400110"/>
           </a:xfrm>
           <a:prstGeom prst="rect">
@@ -10051,7 +9942,7 @@
           <p:nvPr/>
         </p:nvPicPr>
         <p:blipFill>
-          <a:blip r:embed="rId12">
+          <a:blip r:embed="rId10">
             <a:extLst>
               <a:ext uri="{28A0092B-C50C-407E-A947-70E740481C1C}">
                 <a14:useLocalDpi xmlns:a14="http://schemas.microsoft.com/office/drawing/2010/main" val="0"/>
@@ -10065,7 +9956,7 @@
         </p:blipFill>
         <p:spPr bwMode="auto">
           <a:xfrm>
-            <a:off x="9676569" y="5061693"/>
+            <a:off x="9731831" y="4191491"/>
             <a:ext cx="457200" cy="457200"/>
           </a:xfrm>
           <a:prstGeom prst="rect">
@@ -10110,8 +10001,8 @@
         </p:nvSpPr>
         <p:spPr>
           <a:xfrm>
-            <a:off x="9038123" y="3442874"/>
-            <a:ext cx="1759778" cy="3264910"/>
+            <a:off x="9038123" y="2938338"/>
+            <a:ext cx="1759778" cy="3343220"/>
           </a:xfrm>
           <a:prstGeom prst="rect">
             <a:avLst/>
@@ -10165,7 +10056,7 @@
           <p:nvPr/>
         </p:nvPicPr>
         <p:blipFill>
-          <a:blip r:embed="rId13">
+          <a:blip r:embed="rId11">
             <a:extLst>
               <a:ext uri="{28A0092B-C50C-407E-A947-70E740481C1C}">
                 <a14:useLocalDpi xmlns:a14="http://schemas.microsoft.com/office/drawing/2010/main" val="0"/>
@@ -10179,7 +10070,7 @@
         </p:blipFill>
         <p:spPr bwMode="auto">
           <a:xfrm>
-            <a:off x="9027958" y="3437528"/>
+            <a:off x="9033450" y="2934041"/>
             <a:ext cx="346159" cy="346159"/>
           </a:xfrm>
           <a:prstGeom prst="rect">
@@ -10326,8 +10217,8 @@
         </p:nvSpPr>
         <p:spPr>
           <a:xfrm>
-            <a:off x="2490236" y="1143739"/>
-            <a:ext cx="1298188" cy="7228091"/>
+            <a:off x="2490236" y="1143740"/>
+            <a:ext cx="1298188" cy="7451618"/>
           </a:xfrm>
           <a:prstGeom prst="rect">
             <a:avLst/>
@@ -10438,8 +10329,8 @@
         </p:nvSpPr>
         <p:spPr>
           <a:xfrm>
-            <a:off x="2722770" y="2832206"/>
-            <a:ext cx="835394" cy="3559637"/>
+            <a:off x="2722770" y="2832207"/>
+            <a:ext cx="835394" cy="3449345"/>
           </a:xfrm>
           <a:prstGeom prst="rect">
             <a:avLst/>
@@ -10505,7 +10396,7 @@
           <p:nvPr/>
         </p:nvPicPr>
         <p:blipFill>
-          <a:blip r:embed="rId14">
+          <a:blip r:embed="rId12">
             <a:extLst>
               <a:ext uri="{28A0092B-C50C-407E-A947-70E740481C1C}">
                 <a14:useLocalDpi xmlns:a14="http://schemas.microsoft.com/office/drawing/2010/main" val="0"/>
@@ -10838,7 +10729,7 @@
           <p:nvPr/>
         </p:nvPicPr>
         <p:blipFill>
-          <a:blip r:embed="rId15">
+          <a:blip r:embed="rId13">
             <a:extLst>
               <a:ext uri="{28A0092B-C50C-407E-A947-70E740481C1C}">
                 <a14:useLocalDpi xmlns:a14="http://schemas.microsoft.com/office/drawing/2010/main" val="0"/>
@@ -11069,7 +10960,7 @@
         </p:nvSpPr>
         <p:spPr>
           <a:xfrm>
-            <a:off x="3781271" y="2399232"/>
+            <a:off x="3781271" y="2381814"/>
             <a:ext cx="503952" cy="246181"/>
           </a:xfrm>
           <a:prstGeom prst="rect">
@@ -11158,7 +11049,7 @@
           <p:nvPr/>
         </p:nvPicPr>
         <p:blipFill>
-          <a:blip r:embed="rId16">
+          <a:blip r:embed="rId14">
             <a:extLst>
               <a:ext uri="{28A0092B-C50C-407E-A947-70E740481C1C}">
                 <a14:useLocalDpi xmlns:a14="http://schemas.microsoft.com/office/drawing/2010/main" val="0"/>
@@ -11172,7 +11063,7 @@
         </p:blipFill>
         <p:spPr bwMode="auto">
           <a:xfrm>
-            <a:off x="4673826" y="7411998"/>
+            <a:off x="4673826" y="7629715"/>
             <a:ext cx="533400" cy="533400"/>
           </a:xfrm>
           <a:prstGeom prst="rect">
@@ -11219,7 +11110,7 @@
         </p:nvSpPr>
         <p:spPr bwMode="auto">
           <a:xfrm>
-            <a:off x="4466784" y="7988574"/>
+            <a:off x="4466784" y="8206291"/>
             <a:ext cx="1005613" cy="246221"/>
           </a:xfrm>
           <a:prstGeom prst="rect">
@@ -11380,7 +11271,7 @@
         </p:nvCxnSpPr>
         <p:spPr>
           <a:xfrm>
-            <a:off x="3808643" y="7679744"/>
+            <a:off x="3808643" y="7897461"/>
             <a:ext cx="863992" cy="0"/>
           </a:xfrm>
           <a:prstGeom prst="straightConnector1">
@@ -11412,7 +11303,7 @@
         </p:nvSpPr>
         <p:spPr>
           <a:xfrm>
-            <a:off x="3746254" y="7437931"/>
+            <a:off x="3746254" y="7655648"/>
             <a:ext cx="642480" cy="246181"/>
           </a:xfrm>
           <a:prstGeom prst="rect">
@@ -11458,8 +11349,8 @@
         </p:nvCxnSpPr>
         <p:spPr>
           <a:xfrm>
-            <a:off x="5220162" y="7599562"/>
-            <a:ext cx="1742796" cy="0"/>
+            <a:off x="5224644" y="7789935"/>
+            <a:ext cx="1793491" cy="0"/>
           </a:xfrm>
           <a:prstGeom prst="straightConnector1">
             <a:avLst/>
@@ -11492,8 +11383,8 @@
         </p:nvCxnSpPr>
         <p:spPr>
           <a:xfrm flipV="1">
-            <a:off x="6962333" y="6546942"/>
-            <a:ext cx="0" cy="1058135"/>
+            <a:off x="7122805" y="6528895"/>
+            <a:ext cx="0" cy="269859"/>
           </a:xfrm>
           <a:prstGeom prst="straightConnector1">
             <a:avLst/>
@@ -11524,8 +11415,8 @@
         </p:nvSpPr>
         <p:spPr>
           <a:xfrm>
-            <a:off x="2741419" y="6617547"/>
-            <a:ext cx="835394" cy="1553285"/>
+            <a:off x="2741419" y="7160299"/>
+            <a:ext cx="835394" cy="1297162"/>
           </a:xfrm>
           <a:prstGeom prst="rect">
             <a:avLst/>
@@ -11591,7 +11482,7 @@
           <p:nvPr/>
         </p:nvPicPr>
         <p:blipFill>
-          <a:blip r:embed="rId17"/>
+          <a:blip r:embed="rId15"/>
           <a:stretch>
             <a:fillRect/>
           </a:stretch>
@@ -11620,8 +11511,8 @@
         </p:nvSpPr>
         <p:spPr bwMode="auto">
           <a:xfrm>
-            <a:off x="6417706" y="1063863"/>
-            <a:ext cx="2111951" cy="4451470"/>
+            <a:off x="6417706" y="2216155"/>
+            <a:ext cx="2111951" cy="3299177"/>
           </a:xfrm>
           <a:prstGeom prst="rect">
             <a:avLst/>
@@ -11691,7 +11582,7 @@
           <p:nvPr/>
         </p:nvPicPr>
         <p:blipFill>
-          <a:blip r:embed="rId18">
+          <a:blip r:embed="rId16">
             <a:extLst>
               <a:ext uri="{28A0092B-C50C-407E-A947-70E740481C1C}">
                 <a14:useLocalDpi xmlns:a14="http://schemas.microsoft.com/office/drawing/2010/main" val="0"/>
@@ -11705,7 +11596,7 @@
         </p:blipFill>
         <p:spPr bwMode="auto">
           <a:xfrm>
-            <a:off x="6417706" y="1058893"/>
+            <a:off x="6422810" y="2213705"/>
             <a:ext cx="266700" cy="266700"/>
           </a:xfrm>
           <a:prstGeom prst="rect">
@@ -11751,7 +11642,7 @@
           <p:nvPr/>
         </p:nvPicPr>
         <p:blipFill>
-          <a:blip r:embed="rId19">
+          <a:blip r:embed="rId17">
             <a:extLst>
               <a:ext uri="{28A0092B-C50C-407E-A947-70E740481C1C}">
                 <a14:useLocalDpi xmlns:a14="http://schemas.microsoft.com/office/drawing/2010/main" val="0"/>
@@ -11811,7 +11702,7 @@
           <p:nvPr/>
         </p:nvPicPr>
         <p:blipFill>
-          <a:blip r:embed="rId20">
+          <a:blip r:embed="rId18">
             <a:extLst>
               <a:ext uri="{28A0092B-C50C-407E-A947-70E740481C1C}">
                 <a14:useLocalDpi xmlns:a14="http://schemas.microsoft.com/office/drawing/2010/main" val="0"/>
@@ -11825,7 +11716,7 @@
         </p:blipFill>
         <p:spPr bwMode="auto">
           <a:xfrm>
-            <a:off x="9680047" y="1445218"/>
+            <a:off x="9558666" y="6523173"/>
             <a:ext cx="533400" cy="533400"/>
           </a:xfrm>
           <a:prstGeom prst="rect">
@@ -11872,7 +11763,7 @@
         </p:nvSpPr>
         <p:spPr bwMode="auto">
           <a:xfrm>
-            <a:off x="9228684" y="1972906"/>
+            <a:off x="9107303" y="7050861"/>
             <a:ext cx="1425317" cy="246221"/>
           </a:xfrm>
           <a:prstGeom prst="rect">
@@ -12033,8 +11924,8 @@
         </p:nvCxnSpPr>
         <p:spPr>
           <a:xfrm>
-            <a:off x="7305659" y="1717162"/>
-            <a:ext cx="2352773" cy="6686"/>
+            <a:off x="8344525" y="6766270"/>
+            <a:ext cx="1214193" cy="0"/>
           </a:xfrm>
           <a:prstGeom prst="straightConnector1">
             <a:avLst/>
@@ -12066,7 +11957,7 @@
           <p:nvPr/>
         </p:nvPicPr>
         <p:blipFill>
-          <a:blip r:embed="rId21">
+          <a:blip r:embed="rId19">
             <a:extLst>
               <a:ext uri="{28A0092B-C50C-407E-A947-70E740481C1C}">
                 <a14:useLocalDpi xmlns:a14="http://schemas.microsoft.com/office/drawing/2010/main" val="0"/>
@@ -12080,7 +11971,7 @@
         </p:blipFill>
         <p:spPr bwMode="auto">
           <a:xfrm>
-            <a:off x="9595590" y="7394513"/>
+            <a:off x="7803458" y="7623330"/>
             <a:ext cx="533400" cy="533400"/>
           </a:xfrm>
           <a:prstGeom prst="rect">
@@ -12127,7 +12018,7 @@
         </p:nvSpPr>
         <p:spPr bwMode="auto">
           <a:xfrm>
-            <a:off x="9140829" y="7923307"/>
+            <a:off x="7348697" y="8152124"/>
             <a:ext cx="1473223" cy="246221"/>
           </a:xfrm>
           <a:prstGeom prst="rect">
@@ -12287,7 +12178,7 @@
           <p:nvPr/>
         </p:nvPicPr>
         <p:blipFill>
-          <a:blip r:embed="rId22">
+          <a:blip r:embed="rId20">
             <a:extLst>
               <a:ext uri="{28A0092B-C50C-407E-A947-70E740481C1C}">
                 <a14:useLocalDpi xmlns:a14="http://schemas.microsoft.com/office/drawing/2010/main" val="0"/>
@@ -12301,8 +12192,8 @@
         </p:blipFill>
         <p:spPr bwMode="auto">
           <a:xfrm>
-            <a:off x="7821233" y="6803793"/>
-            <a:ext cx="495068" cy="533401"/>
+            <a:off x="7143602" y="1419925"/>
+            <a:ext cx="524647" cy="565270"/>
           </a:xfrm>
           <a:prstGeom prst="rect">
             <a:avLst/>
@@ -12348,7 +12239,7 @@
         </p:nvSpPr>
         <p:spPr bwMode="auto">
           <a:xfrm>
-            <a:off x="7534379" y="7307084"/>
+            <a:off x="6837976" y="1946570"/>
             <a:ext cx="1155139" cy="246221"/>
           </a:xfrm>
           <a:prstGeom prst="rect">
@@ -12509,7 +12400,7 @@
         </p:nvCxnSpPr>
         <p:spPr>
           <a:xfrm>
-            <a:off x="3798193" y="2917041"/>
+            <a:off x="3775292" y="2849293"/>
             <a:ext cx="879270" cy="0"/>
           </a:xfrm>
           <a:prstGeom prst="straightConnector1">
@@ -12529,40 +12420,6 @@
       </p:cxnSp>
       <p:cxnSp>
         <p:nvCxnSpPr>
-          <p:cNvPr id="27" name="Google Shape;279;p7">
-            <a:extLst>
-              <a:ext uri="{FF2B5EF4-FFF2-40B4-BE49-F238E27FC236}">
-                <a16:creationId xmlns:a16="http://schemas.microsoft.com/office/drawing/2014/main" id="{9C357887-2BAD-D04C-6E42-130977D63B9B}"/>
-              </a:ext>
-            </a:extLst>
-          </p:cNvPr>
-          <p:cNvCxnSpPr>
-            <a:cxnSpLocks/>
-          </p:cNvCxnSpPr>
-          <p:nvPr/>
-        </p:nvCxnSpPr>
-        <p:spPr>
-          <a:xfrm flipV="1">
-            <a:off x="7139263" y="6550535"/>
-            <a:ext cx="0" cy="430143"/>
-          </a:xfrm>
-          <a:prstGeom prst="straightConnector1">
-            <a:avLst/>
-          </a:prstGeom>
-          <a:noFill/>
-          <a:ln w="12700" cap="flat" cmpd="sng">
-            <a:solidFill>
-              <a:srgbClr val="FF0000"/>
-            </a:solidFill>
-            <a:prstDash val="solid"/>
-            <a:round/>
-            <a:headEnd type="none" w="med" len="med"/>
-            <a:tailEnd type="none" w="med" len="med"/>
-          </a:ln>
-        </p:spPr>
-      </p:cxnSp>
-      <p:cxnSp>
-        <p:nvCxnSpPr>
           <p:cNvPr id="36" name="Google Shape;279;p7">
             <a:extLst>
               <a:ext uri="{FF2B5EF4-FFF2-40B4-BE49-F238E27FC236}">
@@ -12577,120 +12434,8 @@
         </p:nvCxnSpPr>
         <p:spPr>
           <a:xfrm>
-            <a:off x="7131514" y="6972929"/>
+            <a:off x="7131514" y="6798754"/>
             <a:ext cx="676221" cy="0"/>
-          </a:xfrm>
-          <a:prstGeom prst="straightConnector1">
-            <a:avLst/>
-          </a:prstGeom>
-          <a:noFill/>
-          <a:ln w="12700" cap="flat" cmpd="sng">
-            <a:solidFill>
-              <a:srgbClr val="FF0000"/>
-            </a:solidFill>
-            <a:prstDash val="solid"/>
-            <a:round/>
-            <a:headEnd type="none" w="med" len="med"/>
-            <a:tailEnd type="stealth" w="med" len="med"/>
-          </a:ln>
-        </p:spPr>
-      </p:cxnSp>
-      <p:sp>
-        <p:nvSpPr>
-          <p:cNvPr id="51" name="Google Shape;77;p1">
-            <a:extLst>
-              <a:ext uri="{FF2B5EF4-FFF2-40B4-BE49-F238E27FC236}">
-                <a16:creationId xmlns:a16="http://schemas.microsoft.com/office/drawing/2014/main" id="{6FB7A1CD-1B49-52DD-AFD6-9A901EA6FAE5}"/>
-              </a:ext>
-            </a:extLst>
-          </p:cNvPr>
-          <p:cNvSpPr txBox="1"/>
-          <p:nvPr/>
-        </p:nvSpPr>
-        <p:spPr>
-          <a:xfrm>
-            <a:off x="3832576" y="3506847"/>
-            <a:ext cx="503952" cy="246181"/>
-          </a:xfrm>
-          <a:prstGeom prst="rect">
-            <a:avLst/>
-          </a:prstGeom>
-          <a:noFill/>
-          <a:ln>
-            <a:noFill/>
-          </a:ln>
-        </p:spPr>
-        <p:txBody>
-          <a:bodyPr spcFirstLastPara="1" wrap="square" lIns="91425" tIns="45700" rIns="91425" bIns="45700" anchor="t" anchorCtr="0">
-            <a:spAutoFit/>
-          </a:bodyPr>
-          <a:lstStyle/>
-          <a:p>
-            <a:pPr algn="ctr"/>
-            <a:r>
-              <a:rPr lang="en-US" sz="1000" dirty="0">
-                <a:latin typeface="+mn-lt"/>
-              </a:rPr>
-              <a:t>mp3</a:t>
-            </a:r>
-            <a:endParaRPr sz="1000" dirty="0">
-              <a:latin typeface="+mn-lt"/>
-            </a:endParaRPr>
-          </a:p>
-        </p:txBody>
-      </p:sp>
-      <p:cxnSp>
-        <p:nvCxnSpPr>
-          <p:cNvPr id="56" name="Google Shape;279;p7">
-            <a:extLst>
-              <a:ext uri="{FF2B5EF4-FFF2-40B4-BE49-F238E27FC236}">
-                <a16:creationId xmlns:a16="http://schemas.microsoft.com/office/drawing/2014/main" id="{AD337615-A439-54A6-0CCF-2D46C52161F5}"/>
-              </a:ext>
-            </a:extLst>
-          </p:cNvPr>
-          <p:cNvCxnSpPr>
-            <a:cxnSpLocks/>
-          </p:cNvCxnSpPr>
-          <p:nvPr/>
-        </p:nvCxnSpPr>
-        <p:spPr>
-          <a:xfrm>
-            <a:off x="4933126" y="7177028"/>
-            <a:ext cx="2873987" cy="0"/>
-          </a:xfrm>
-          <a:prstGeom prst="straightConnector1">
-            <a:avLst/>
-          </a:prstGeom>
-          <a:noFill/>
-          <a:ln w="12700" cap="flat" cmpd="sng">
-            <a:solidFill>
-              <a:srgbClr val="FF0000"/>
-            </a:solidFill>
-            <a:prstDash val="solid"/>
-            <a:round/>
-            <a:headEnd type="none" w="med" len="med"/>
-            <a:tailEnd type="none" w="med" len="med"/>
-          </a:ln>
-        </p:spPr>
-      </p:cxnSp>
-      <p:cxnSp>
-        <p:nvCxnSpPr>
-          <p:cNvPr id="58" name="Google Shape;279;p7">
-            <a:extLst>
-              <a:ext uri="{FF2B5EF4-FFF2-40B4-BE49-F238E27FC236}">
-                <a16:creationId xmlns:a16="http://schemas.microsoft.com/office/drawing/2014/main" id="{00DC83CB-F544-4814-A7AF-81ABE336B300}"/>
-              </a:ext>
-            </a:extLst>
-          </p:cNvPr>
-          <p:cNvCxnSpPr>
-            <a:cxnSpLocks/>
-          </p:cNvCxnSpPr>
-          <p:nvPr/>
-        </p:nvCxnSpPr>
-        <p:spPr>
-          <a:xfrm flipV="1">
-            <a:off x="4933126" y="5628837"/>
-            <a:ext cx="0" cy="1548191"/>
           </a:xfrm>
           <a:prstGeom prst="straightConnector1">
             <a:avLst/>
@@ -12941,118 +12686,6 @@
       </p:sp>
       <p:cxnSp>
         <p:nvCxnSpPr>
-          <p:cNvPr id="35" name="Google Shape;279;p7">
-            <a:extLst>
-              <a:ext uri="{FF2B5EF4-FFF2-40B4-BE49-F238E27FC236}">
-                <a16:creationId xmlns:a16="http://schemas.microsoft.com/office/drawing/2014/main" id="{DB19AE47-8F08-6D2E-A506-E7C8C94D23C8}"/>
-              </a:ext>
-            </a:extLst>
-          </p:cNvPr>
-          <p:cNvCxnSpPr>
-            <a:cxnSpLocks/>
-          </p:cNvCxnSpPr>
-          <p:nvPr/>
-        </p:nvCxnSpPr>
-        <p:spPr>
-          <a:xfrm>
-            <a:off x="3788424" y="3727607"/>
-            <a:ext cx="982603" cy="0"/>
-          </a:xfrm>
-          <a:prstGeom prst="straightConnector1">
-            <a:avLst/>
-          </a:prstGeom>
-          <a:noFill/>
-          <a:ln w="12700" cap="flat" cmpd="sng">
-            <a:solidFill>
-              <a:srgbClr val="FF0000"/>
-            </a:solidFill>
-            <a:prstDash val="solid"/>
-            <a:round/>
-            <a:headEnd type="stealth" w="med" len="med"/>
-            <a:tailEnd type="none" w="med" len="med"/>
-          </a:ln>
-        </p:spPr>
-      </p:cxnSp>
-      <p:sp>
-        <p:nvSpPr>
-          <p:cNvPr id="41" name="Google Shape;77;p1">
-            <a:extLst>
-              <a:ext uri="{FF2B5EF4-FFF2-40B4-BE49-F238E27FC236}">
-                <a16:creationId xmlns:a16="http://schemas.microsoft.com/office/drawing/2014/main" id="{6915A9AC-7F48-C492-648A-217F7BEAF6F4}"/>
-              </a:ext>
-            </a:extLst>
-          </p:cNvPr>
-          <p:cNvSpPr txBox="1"/>
-          <p:nvPr/>
-        </p:nvSpPr>
-        <p:spPr>
-          <a:xfrm>
-            <a:off x="3780673" y="2692156"/>
-            <a:ext cx="557039" cy="246181"/>
-          </a:xfrm>
-          <a:prstGeom prst="rect">
-            <a:avLst/>
-          </a:prstGeom>
-          <a:noFill/>
-          <a:ln>
-            <a:noFill/>
-          </a:ln>
-        </p:spPr>
-        <p:txBody>
-          <a:bodyPr spcFirstLastPara="1" wrap="square" lIns="91425" tIns="45700" rIns="91425" bIns="45700" anchor="t" anchorCtr="0">
-            <a:spAutoFit/>
-          </a:bodyPr>
-          <a:lstStyle/>
-          <a:p>
-            <a:pPr algn="ctr"/>
-            <a:r>
-              <a:rPr lang="en-US" sz="1000" dirty="0">
-                <a:latin typeface="+mn-lt"/>
-              </a:rPr>
-              <a:t>image</a:t>
-            </a:r>
-            <a:endParaRPr sz="1000" dirty="0">
-              <a:latin typeface="+mn-lt"/>
-            </a:endParaRPr>
-          </a:p>
-        </p:txBody>
-      </p:sp>
-      <p:cxnSp>
-        <p:nvCxnSpPr>
-          <p:cNvPr id="46" name="Google Shape;279;p7">
-            <a:extLst>
-              <a:ext uri="{FF2B5EF4-FFF2-40B4-BE49-F238E27FC236}">
-                <a16:creationId xmlns:a16="http://schemas.microsoft.com/office/drawing/2014/main" id="{219CE6AF-C7C4-F650-ECA8-B4A87B92CE2E}"/>
-              </a:ext>
-            </a:extLst>
-          </p:cNvPr>
-          <p:cNvCxnSpPr>
-            <a:cxnSpLocks/>
-          </p:cNvCxnSpPr>
-          <p:nvPr/>
-        </p:nvCxnSpPr>
-        <p:spPr>
-          <a:xfrm flipV="1">
-            <a:off x="4967961" y="3390552"/>
-            <a:ext cx="0" cy="1621001"/>
-          </a:xfrm>
-          <a:prstGeom prst="straightConnector1">
-            <a:avLst/>
-          </a:prstGeom>
-          <a:noFill/>
-          <a:ln w="12700" cap="flat" cmpd="sng">
-            <a:solidFill>
-              <a:srgbClr val="FF0000"/>
-            </a:solidFill>
-            <a:prstDash val="solid"/>
-            <a:round/>
-            <a:headEnd type="none" w="med" len="med"/>
-            <a:tailEnd type="stealth" w="med" len="med"/>
-          </a:ln>
-        </p:spPr>
-      </p:cxnSp>
-      <p:cxnSp>
-        <p:nvCxnSpPr>
           <p:cNvPr id="48" name="Google Shape;279;p7">
             <a:extLst>
               <a:ext uri="{FF2B5EF4-FFF2-40B4-BE49-F238E27FC236}">
@@ -13067,7 +12700,7 @@
         </p:nvCxnSpPr>
         <p:spPr>
           <a:xfrm>
-            <a:off x="5219356" y="2899457"/>
+            <a:off x="5219356" y="2847203"/>
             <a:ext cx="501453" cy="0"/>
           </a:xfrm>
           <a:prstGeom prst="straightConnector1">
@@ -13153,50 +12786,6 @@
           </a:ln>
         </p:spPr>
       </p:cxnSp>
-      <p:sp>
-        <p:nvSpPr>
-          <p:cNvPr id="81" name="Google Shape;77;p1">
-            <a:extLst>
-              <a:ext uri="{FF2B5EF4-FFF2-40B4-BE49-F238E27FC236}">
-                <a16:creationId xmlns:a16="http://schemas.microsoft.com/office/drawing/2014/main" id="{ACC45F53-7D71-FBAD-158D-934AA6C7D64B}"/>
-              </a:ext>
-            </a:extLst>
-          </p:cNvPr>
-          <p:cNvSpPr txBox="1"/>
-          <p:nvPr/>
-        </p:nvSpPr>
-        <p:spPr>
-          <a:xfrm>
-            <a:off x="4482087" y="4123829"/>
-            <a:ext cx="503952" cy="246181"/>
-          </a:xfrm>
-          <a:prstGeom prst="rect">
-            <a:avLst/>
-          </a:prstGeom>
-          <a:noFill/>
-          <a:ln>
-            <a:noFill/>
-          </a:ln>
-        </p:spPr>
-        <p:txBody>
-          <a:bodyPr spcFirstLastPara="1" wrap="square" lIns="91425" tIns="45700" rIns="91425" bIns="45700" anchor="t" anchorCtr="0">
-            <a:spAutoFit/>
-          </a:bodyPr>
-          <a:lstStyle/>
-          <a:p>
-            <a:pPr algn="ctr"/>
-            <a:r>
-              <a:rPr lang="en-US" sz="1000" dirty="0">
-                <a:latin typeface="+mn-lt"/>
-              </a:rPr>
-              <a:t>mp3</a:t>
-            </a:r>
-            <a:endParaRPr sz="1000" dirty="0">
-              <a:latin typeface="+mn-lt"/>
-            </a:endParaRPr>
-          </a:p>
-        </p:txBody>
-      </p:sp>
       <p:sp>
         <p:nvSpPr>
           <p:cNvPr id="87" name="Google Shape;77;p1">
@@ -13299,7 +12888,7 @@
         </p:nvSpPr>
         <p:spPr>
           <a:xfrm>
-            <a:off x="5278619" y="6909008"/>
+            <a:off x="6280834" y="1629890"/>
             <a:ext cx="503952" cy="246181"/>
           </a:xfrm>
           <a:prstGeom prst="rect">
@@ -13321,7 +12910,7 @@
               <a:rPr lang="en-US" sz="1000" dirty="0">
                 <a:latin typeface="+mn-lt"/>
               </a:rPr>
-              <a:t>mp3</a:t>
+              <a:t>ogg</a:t>
             </a:r>
             <a:endParaRPr sz="1000" dirty="0">
               <a:latin typeface="+mn-lt"/>
@@ -13397,118 +12986,6 @@
           </a:ln>
         </p:spPr>
       </p:cxnSp>
-      <p:cxnSp>
-        <p:nvCxnSpPr>
-          <p:cNvPr id="99" name="Google Shape;279;p7">
-            <a:extLst>
-              <a:ext uri="{FF2B5EF4-FFF2-40B4-BE49-F238E27FC236}">
-                <a16:creationId xmlns:a16="http://schemas.microsoft.com/office/drawing/2014/main" id="{0C29A02F-4117-CD11-4B46-2CED0FA58C04}"/>
-              </a:ext>
-            </a:extLst>
-          </p:cNvPr>
-          <p:cNvCxnSpPr>
-            <a:cxnSpLocks/>
-          </p:cNvCxnSpPr>
-          <p:nvPr/>
-        </p:nvCxnSpPr>
-        <p:spPr>
-          <a:xfrm>
-            <a:off x="5211414" y="3014799"/>
-            <a:ext cx="501453" cy="0"/>
-          </a:xfrm>
-          <a:prstGeom prst="straightConnector1">
-            <a:avLst/>
-          </a:prstGeom>
-          <a:noFill/>
-          <a:ln w="12700" cap="flat" cmpd="sng">
-            <a:solidFill>
-              <a:schemeClr val="accent3"/>
-            </a:solidFill>
-            <a:prstDash val="solid"/>
-            <a:round/>
-            <a:headEnd type="stealth" w="med" len="med"/>
-            <a:tailEnd type="none" w="med" len="med"/>
-          </a:ln>
-        </p:spPr>
-      </p:cxnSp>
-      <p:cxnSp>
-        <p:nvCxnSpPr>
-          <p:cNvPr id="102" name="Google Shape;279;p7">
-            <a:extLst>
-              <a:ext uri="{FF2B5EF4-FFF2-40B4-BE49-F238E27FC236}">
-                <a16:creationId xmlns:a16="http://schemas.microsoft.com/office/drawing/2014/main" id="{7EB8D537-A03E-17F2-9CF6-20AF40E07227}"/>
-              </a:ext>
-            </a:extLst>
-          </p:cNvPr>
-          <p:cNvCxnSpPr>
-            <a:cxnSpLocks/>
-          </p:cNvCxnSpPr>
-          <p:nvPr/>
-        </p:nvCxnSpPr>
-        <p:spPr>
-          <a:xfrm>
-            <a:off x="3799292" y="3021980"/>
-            <a:ext cx="901969" cy="0"/>
-          </a:xfrm>
-          <a:prstGeom prst="straightConnector1">
-            <a:avLst/>
-          </a:prstGeom>
-          <a:noFill/>
-          <a:ln w="12700" cap="flat" cmpd="sng">
-            <a:solidFill>
-              <a:schemeClr val="accent3"/>
-            </a:solidFill>
-            <a:prstDash val="solid"/>
-            <a:round/>
-            <a:headEnd type="stealth" w="med" len="med"/>
-            <a:tailEnd type="none" w="med" len="med"/>
-          </a:ln>
-        </p:spPr>
-      </p:cxnSp>
-      <p:sp>
-        <p:nvSpPr>
-          <p:cNvPr id="111" name="Google Shape;77;p1">
-            <a:extLst>
-              <a:ext uri="{FF2B5EF4-FFF2-40B4-BE49-F238E27FC236}">
-                <a16:creationId xmlns:a16="http://schemas.microsoft.com/office/drawing/2014/main" id="{219F42B9-A42B-4EF3-FF2A-2AAFB32DA062}"/>
-              </a:ext>
-            </a:extLst>
-          </p:cNvPr>
-          <p:cNvSpPr txBox="1"/>
-          <p:nvPr/>
-        </p:nvSpPr>
-        <p:spPr>
-          <a:xfrm>
-            <a:off x="3739025" y="2981668"/>
-            <a:ext cx="667425" cy="246181"/>
-          </a:xfrm>
-          <a:prstGeom prst="rect">
-            <a:avLst/>
-          </a:prstGeom>
-          <a:noFill/>
-          <a:ln>
-            <a:noFill/>
-          </a:ln>
-        </p:spPr>
-        <p:txBody>
-          <a:bodyPr spcFirstLastPara="1" wrap="square" lIns="91425" tIns="45700" rIns="91425" bIns="45700" anchor="t" anchorCtr="0">
-            <a:spAutoFit/>
-          </a:bodyPr>
-          <a:lstStyle/>
-          <a:p>
-            <a:pPr algn="ctr"/>
-            <a:r>
-              <a:rPr lang="en-US" sz="1000" dirty="0">
-                <a:latin typeface="+mn-lt"/>
-              </a:rPr>
-              <a:t>gesture</a:t>
-            </a:r>
-            <a:endParaRPr sz="1000" dirty="0">
-              <a:latin typeface="+mn-lt"/>
-            </a:endParaRPr>
-          </a:p>
-        </p:txBody>
-      </p:sp>
       <p:sp>
         <p:nvSpPr>
           <p:cNvPr id="112" name="Google Shape;77;p1">
@@ -14165,10 +13642,624 @@
           </a:ln>
         </p:spPr>
       </p:cxnSp>
+      <p:cxnSp>
+        <p:nvCxnSpPr>
+          <p:cNvPr id="43" name="Google Shape;279;p7">
+            <a:extLst>
+              <a:ext uri="{FF2B5EF4-FFF2-40B4-BE49-F238E27FC236}">
+                <a16:creationId xmlns:a16="http://schemas.microsoft.com/office/drawing/2014/main" id="{356F7707-9163-C753-AB4D-85907D0D805A}"/>
+              </a:ext>
+            </a:extLst>
+          </p:cNvPr>
+          <p:cNvCxnSpPr>
+            <a:cxnSpLocks/>
+          </p:cNvCxnSpPr>
+          <p:nvPr/>
+        </p:nvCxnSpPr>
+        <p:spPr>
+          <a:xfrm>
+            <a:off x="6273371" y="1587811"/>
+            <a:ext cx="859640" cy="0"/>
+          </a:xfrm>
+          <a:prstGeom prst="straightConnector1">
+            <a:avLst/>
+          </a:prstGeom>
+          <a:noFill/>
+          <a:ln w="12700" cap="flat" cmpd="sng">
+            <a:solidFill>
+              <a:srgbClr val="FF0000"/>
+            </a:solidFill>
+            <a:prstDash val="solid"/>
+            <a:round/>
+            <a:headEnd type="none" w="med" len="med"/>
+            <a:tailEnd type="stealth" w="med" len="med"/>
+          </a:ln>
+        </p:spPr>
+      </p:cxnSp>
+      <p:cxnSp>
+        <p:nvCxnSpPr>
+          <p:cNvPr id="49" name="Google Shape;279;p7">
+            <a:extLst>
+              <a:ext uri="{FF2B5EF4-FFF2-40B4-BE49-F238E27FC236}">
+                <a16:creationId xmlns:a16="http://schemas.microsoft.com/office/drawing/2014/main" id="{A9E847D2-1594-FCF2-7133-1F7AFC012D41}"/>
+              </a:ext>
+            </a:extLst>
+          </p:cNvPr>
+          <p:cNvCxnSpPr>
+            <a:cxnSpLocks/>
+          </p:cNvCxnSpPr>
+          <p:nvPr/>
+        </p:nvCxnSpPr>
+        <p:spPr>
+          <a:xfrm>
+            <a:off x="6258546" y="1884998"/>
+            <a:ext cx="859640" cy="0"/>
+          </a:xfrm>
+          <a:prstGeom prst="straightConnector1">
+            <a:avLst/>
+          </a:prstGeom>
+          <a:noFill/>
+          <a:ln w="12700" cap="flat" cmpd="sng">
+            <a:solidFill>
+              <a:srgbClr val="FF0000"/>
+            </a:solidFill>
+            <a:prstDash val="solid"/>
+            <a:round/>
+            <a:headEnd type="stealth" w="med" len="med"/>
+            <a:tailEnd type="none" w="med" len="med"/>
+          </a:ln>
+        </p:spPr>
+      </p:cxnSp>
+      <p:cxnSp>
+        <p:nvCxnSpPr>
+          <p:cNvPr id="57" name="Google Shape;279;p7">
+            <a:extLst>
+              <a:ext uri="{FF2B5EF4-FFF2-40B4-BE49-F238E27FC236}">
+                <a16:creationId xmlns:a16="http://schemas.microsoft.com/office/drawing/2014/main" id="{257130A9-518D-4AEB-BEC3-81DA692047DE}"/>
+              </a:ext>
+            </a:extLst>
+          </p:cNvPr>
+          <p:cNvCxnSpPr>
+            <a:cxnSpLocks/>
+          </p:cNvCxnSpPr>
+          <p:nvPr/>
+        </p:nvCxnSpPr>
+        <p:spPr>
+          <a:xfrm flipV="1">
+            <a:off x="7018135" y="6555022"/>
+            <a:ext cx="0" cy="1249693"/>
+          </a:xfrm>
+          <a:prstGeom prst="straightConnector1">
+            <a:avLst/>
+          </a:prstGeom>
+          <a:noFill/>
+          <a:ln w="12700" cap="flat" cmpd="sng">
+            <a:solidFill>
+              <a:srgbClr val="FF0000"/>
+            </a:solidFill>
+            <a:prstDash val="solid"/>
+            <a:round/>
+            <a:headEnd type="none" w="med" len="med"/>
+            <a:tailEnd type="none" w="med" len="med"/>
+          </a:ln>
+        </p:spPr>
+      </p:cxnSp>
+      <p:cxnSp>
+        <p:nvCxnSpPr>
+          <p:cNvPr id="96" name="Google Shape;279;p7">
+            <a:extLst>
+              <a:ext uri="{FF2B5EF4-FFF2-40B4-BE49-F238E27FC236}">
+                <a16:creationId xmlns:a16="http://schemas.microsoft.com/office/drawing/2014/main" id="{BE85A2DA-E98B-3BB8-B3F2-9EC85367FA11}"/>
+              </a:ext>
+            </a:extLst>
+          </p:cNvPr>
+          <p:cNvCxnSpPr>
+            <a:cxnSpLocks/>
+          </p:cNvCxnSpPr>
+          <p:nvPr/>
+        </p:nvCxnSpPr>
+        <p:spPr>
+          <a:xfrm>
+            <a:off x="5219356" y="7985878"/>
+            <a:ext cx="2584102" cy="0"/>
+          </a:xfrm>
+          <a:prstGeom prst="straightConnector1">
+            <a:avLst/>
+          </a:prstGeom>
+          <a:noFill/>
+          <a:ln w="12700" cap="flat" cmpd="sng">
+            <a:solidFill>
+              <a:srgbClr val="FF0000"/>
+            </a:solidFill>
+            <a:prstDash val="solid"/>
+            <a:round/>
+            <a:headEnd type="stealth" w="med" len="med"/>
+            <a:tailEnd type="stealth" w="med" len="med"/>
+          </a:ln>
+        </p:spPr>
+      </p:cxnSp>
+      <p:sp>
+        <p:nvSpPr>
+          <p:cNvPr id="105" name="Google Shape;77;p1">
+            <a:extLst>
+              <a:ext uri="{FF2B5EF4-FFF2-40B4-BE49-F238E27FC236}">
+                <a16:creationId xmlns:a16="http://schemas.microsoft.com/office/drawing/2014/main" id="{ABB32FA0-4698-31E0-31AE-1A89BC1A16E5}"/>
+              </a:ext>
+            </a:extLst>
+          </p:cNvPr>
+          <p:cNvSpPr txBox="1"/>
+          <p:nvPr/>
+        </p:nvSpPr>
+        <p:spPr>
+          <a:xfrm>
+            <a:off x="6301194" y="1366745"/>
+            <a:ext cx="798946" cy="246181"/>
+          </a:xfrm>
+          <a:prstGeom prst="rect">
+            <a:avLst/>
+          </a:prstGeom>
+          <a:noFill/>
+          <a:ln>
+            <a:noFill/>
+          </a:ln>
+        </p:spPr>
+        <p:txBody>
+          <a:bodyPr spcFirstLastPara="1" wrap="square" lIns="91425" tIns="45700" rIns="91425" bIns="45700" anchor="t" anchorCtr="0">
+            <a:spAutoFit/>
+          </a:bodyPr>
+          <a:lstStyle/>
+          <a:p>
+            <a:pPr algn="ctr"/>
+            <a:r>
+              <a:rPr lang="en-US" sz="1000" dirty="0">
+                <a:latin typeface="+mn-lt"/>
+              </a:rPr>
+              <a:t>msg</a:t>
+            </a:r>
+            <a:endParaRPr sz="1000" dirty="0">
+              <a:latin typeface="+mn-lt"/>
+            </a:endParaRPr>
+          </a:p>
+        </p:txBody>
+      </p:sp>
+      <p:pic>
+        <p:nvPicPr>
+          <p:cNvPr id="107" name="Graphic 10">
+            <a:extLst>
+              <a:ext uri="{FF2B5EF4-FFF2-40B4-BE49-F238E27FC236}">
+                <a16:creationId xmlns:a16="http://schemas.microsoft.com/office/drawing/2014/main" id="{D01B41D6-331B-CAD3-D48B-3A7804B817DD}"/>
+              </a:ext>
+            </a:extLst>
+          </p:cNvPr>
+          <p:cNvPicPr>
+            <a:picLocks noChangeAspect="1" noChangeArrowheads="1"/>
+          </p:cNvPicPr>
+          <p:nvPr/>
+        </p:nvPicPr>
+        <p:blipFill>
+          <a:blip r:embed="rId3">
+            <a:extLst>
+              <a:ext uri="{28A0092B-C50C-407E-A947-70E740481C1C}">
+                <a14:useLocalDpi xmlns:a14="http://schemas.microsoft.com/office/drawing/2010/main" val="0"/>
+              </a:ext>
+            </a:extLst>
+          </a:blip>
+          <a:srcRect/>
+          <a:stretch>
+            <a:fillRect/>
+          </a:stretch>
+        </p:blipFill>
+        <p:spPr bwMode="auto">
+          <a:xfrm>
+            <a:off x="5762258" y="1422684"/>
+            <a:ext cx="533400" cy="533400"/>
+          </a:xfrm>
+          <a:prstGeom prst="rect">
+            <a:avLst/>
+          </a:prstGeom>
+          <a:noFill/>
+          <a:ln>
+            <a:noFill/>
+          </a:ln>
+          <a:extLst>
+            <a:ext uri="{909E8E84-426E-40DD-AFC4-6F175D3DCCD1}">
+              <a14:hiddenFill xmlns:a14="http://schemas.microsoft.com/office/drawing/2010/main">
+                <a:solidFill>
+                  <a:srgbClr val="FFFFFF"/>
+                </a:solidFill>
+              </a14:hiddenFill>
+            </a:ext>
+            <a:ext uri="{91240B29-F687-4F45-9708-019B960494DF}">
+              <a14:hiddenLine xmlns:a14="http://schemas.microsoft.com/office/drawing/2010/main" w="9525">
+                <a:solidFill>
+                  <a:srgbClr val="000000"/>
+                </a:solidFill>
+                <a:miter lim="800000"/>
+                <a:headEnd/>
+                <a:tailEnd/>
+              </a14:hiddenLine>
+            </a:ext>
+          </a:extLst>
+        </p:spPr>
+      </p:pic>
+      <p:sp>
+        <p:nvSpPr>
+          <p:cNvPr id="108" name="TextBox 20">
+            <a:extLst>
+              <a:ext uri="{FF2B5EF4-FFF2-40B4-BE49-F238E27FC236}">
+                <a16:creationId xmlns:a16="http://schemas.microsoft.com/office/drawing/2014/main" id="{E071257F-5881-2F9D-BB65-01AE2BA5C3F8}"/>
+              </a:ext>
+            </a:extLst>
+          </p:cNvPr>
+          <p:cNvSpPr txBox="1">
+            <a:spLocks noChangeArrowheads="1"/>
+          </p:cNvSpPr>
+          <p:nvPr/>
+        </p:nvSpPr>
+        <p:spPr bwMode="auto">
+          <a:xfrm>
+            <a:off x="5463570" y="1927819"/>
+            <a:ext cx="1155139" cy="400110"/>
+          </a:xfrm>
+          <a:prstGeom prst="rect">
+            <a:avLst/>
+          </a:prstGeom>
+          <a:noFill/>
+          <a:ln>
+            <a:noFill/>
+          </a:ln>
+          <a:extLst>
+            <a:ext uri="{909E8E84-426E-40DD-AFC4-6F175D3DCCD1}">
+              <a14:hiddenFill xmlns:a14="http://schemas.microsoft.com/office/drawing/2010/main">
+                <a:solidFill>
+                  <a:srgbClr val="FFFFFF"/>
+                </a:solidFill>
+              </a14:hiddenFill>
+            </a:ext>
+            <a:ext uri="{91240B29-F687-4F45-9708-019B960494DF}">
+              <a14:hiddenLine xmlns:a14="http://schemas.microsoft.com/office/drawing/2010/main" w="9525">
+                <a:solidFill>
+                  <a:srgbClr val="000000"/>
+                </a:solidFill>
+                <a:miter lim="800000"/>
+                <a:headEnd/>
+                <a:tailEnd/>
+              </a14:hiddenLine>
+            </a:ext>
+          </a:extLst>
+        </p:spPr>
+        <p:txBody>
+          <a:bodyPr wrap="square">
+            <a:spAutoFit/>
+          </a:bodyPr>
+          <a:lstStyle>
+            <a:lvl1pPr>
+              <a:defRPr>
+                <a:solidFill>
+                  <a:schemeClr val="tx1"/>
+                </a:solidFill>
+                <a:latin typeface="Calibri" panose="020F0502020204030204" pitchFamily="34" charset="0"/>
+              </a:defRPr>
+            </a:lvl1pPr>
+            <a:lvl2pPr marL="742950" indent="-285750">
+              <a:defRPr>
+                <a:solidFill>
+                  <a:schemeClr val="tx1"/>
+                </a:solidFill>
+                <a:latin typeface="Calibri" panose="020F0502020204030204" pitchFamily="34" charset="0"/>
+              </a:defRPr>
+            </a:lvl2pPr>
+            <a:lvl3pPr marL="1143000" indent="-228600">
+              <a:defRPr>
+                <a:solidFill>
+                  <a:schemeClr val="tx1"/>
+                </a:solidFill>
+                <a:latin typeface="Calibri" panose="020F0502020204030204" pitchFamily="34" charset="0"/>
+              </a:defRPr>
+            </a:lvl3pPr>
+            <a:lvl4pPr marL="1600200" indent="-228600">
+              <a:defRPr>
+                <a:solidFill>
+                  <a:schemeClr val="tx1"/>
+                </a:solidFill>
+                <a:latin typeface="Calibri" panose="020F0502020204030204" pitchFamily="34" charset="0"/>
+              </a:defRPr>
+            </a:lvl4pPr>
+            <a:lvl5pPr marL="2057400" indent="-228600">
+              <a:defRPr>
+                <a:solidFill>
+                  <a:schemeClr val="tx1"/>
+                </a:solidFill>
+                <a:latin typeface="Calibri" panose="020F0502020204030204" pitchFamily="34" charset="0"/>
+              </a:defRPr>
+            </a:lvl5pPr>
+            <a:lvl6pPr marL="2514600" indent="-228600" eaLnBrk="0" fontAlgn="base" hangingPunct="0">
+              <a:spcBef>
+                <a:spcPct val="0"/>
+              </a:spcBef>
+              <a:spcAft>
+                <a:spcPct val="0"/>
+              </a:spcAft>
+              <a:defRPr>
+                <a:solidFill>
+                  <a:schemeClr val="tx1"/>
+                </a:solidFill>
+                <a:latin typeface="Calibri" panose="020F0502020204030204" pitchFamily="34" charset="0"/>
+              </a:defRPr>
+            </a:lvl6pPr>
+            <a:lvl7pPr marL="2971800" indent="-228600" eaLnBrk="0" fontAlgn="base" hangingPunct="0">
+              <a:spcBef>
+                <a:spcPct val="0"/>
+              </a:spcBef>
+              <a:spcAft>
+                <a:spcPct val="0"/>
+              </a:spcAft>
+              <a:defRPr>
+                <a:solidFill>
+                  <a:schemeClr val="tx1"/>
+                </a:solidFill>
+                <a:latin typeface="Calibri" panose="020F0502020204030204" pitchFamily="34" charset="0"/>
+              </a:defRPr>
+            </a:lvl7pPr>
+            <a:lvl8pPr marL="3429000" indent="-228600" eaLnBrk="0" fontAlgn="base" hangingPunct="0">
+              <a:spcBef>
+                <a:spcPct val="0"/>
+              </a:spcBef>
+              <a:spcAft>
+                <a:spcPct val="0"/>
+              </a:spcAft>
+              <a:defRPr>
+                <a:solidFill>
+                  <a:schemeClr val="tx1"/>
+                </a:solidFill>
+                <a:latin typeface="Calibri" panose="020F0502020204030204" pitchFamily="34" charset="0"/>
+              </a:defRPr>
+            </a:lvl8pPr>
+            <a:lvl9pPr marL="3886200" indent="-228600" eaLnBrk="0" fontAlgn="base" hangingPunct="0">
+              <a:spcBef>
+                <a:spcPct val="0"/>
+              </a:spcBef>
+              <a:spcAft>
+                <a:spcPct val="0"/>
+              </a:spcAft>
+              <a:defRPr>
+                <a:solidFill>
+                  <a:schemeClr val="tx1"/>
+                </a:solidFill>
+                <a:latin typeface="Calibri" panose="020F0502020204030204" pitchFamily="34" charset="0"/>
+              </a:defRPr>
+            </a:lvl9pPr>
+          </a:lstStyle>
+          <a:p>
+            <a:pPr algn="ctr" eaLnBrk="1" hangingPunct="1"/>
+            <a:r>
+              <a:rPr lang="en-US" altLang="en-US" sz="1000" dirty="0">
+                <a:latin typeface="+mn-lt"/>
+                <a:ea typeface="Amazon Ember" panose="020B0603020204020204" pitchFamily="34" charset="0"/>
+                <a:cs typeface="Arial" panose="020B0604020202020204" pitchFamily="34" charset="0"/>
+              </a:rPr>
+              <a:t>AWS Lambda</a:t>
+            </a:r>
+          </a:p>
+          <a:p>
+            <a:pPr algn="ctr" eaLnBrk="1" hangingPunct="1"/>
+            <a:r>
+              <a:rPr lang="en-US" altLang="en-US" sz="1000" dirty="0">
+                <a:latin typeface="+mn-lt"/>
+                <a:ea typeface="Amazon Ember" panose="020B0603020204020204" pitchFamily="34" charset="0"/>
+                <a:cs typeface="Arial" panose="020B0604020202020204" pitchFamily="34" charset="0"/>
+              </a:rPr>
+              <a:t>(polly)</a:t>
+            </a:r>
+          </a:p>
+        </p:txBody>
+      </p:sp>
+      <p:cxnSp>
+        <p:nvCxnSpPr>
+          <p:cNvPr id="115" name="Google Shape;279;p7">
+            <a:extLst>
+              <a:ext uri="{FF2B5EF4-FFF2-40B4-BE49-F238E27FC236}">
+                <a16:creationId xmlns:a16="http://schemas.microsoft.com/office/drawing/2014/main" id="{0D7A7B48-C57E-E118-BFC4-BF101FF67B9B}"/>
+              </a:ext>
+            </a:extLst>
+          </p:cNvPr>
+          <p:cNvCxnSpPr>
+            <a:cxnSpLocks/>
+          </p:cNvCxnSpPr>
+          <p:nvPr/>
+        </p:nvCxnSpPr>
+        <p:spPr>
+          <a:xfrm flipV="1">
+            <a:off x="6118021" y="2314639"/>
+            <a:ext cx="0" cy="214648"/>
+          </a:xfrm>
+          <a:prstGeom prst="straightConnector1">
+            <a:avLst/>
+          </a:prstGeom>
+          <a:noFill/>
+          <a:ln w="12700" cap="flat" cmpd="sng">
+            <a:solidFill>
+              <a:schemeClr val="accent3"/>
+            </a:solidFill>
+            <a:prstDash val="solid"/>
+            <a:round/>
+            <a:headEnd type="stealth" w="med" len="med"/>
+            <a:tailEnd type="none" w="med" len="med"/>
+          </a:ln>
+        </p:spPr>
+      </p:cxnSp>
+      <p:cxnSp>
+        <p:nvCxnSpPr>
+          <p:cNvPr id="117" name="Google Shape;279;p7">
+            <a:extLst>
+              <a:ext uri="{FF2B5EF4-FFF2-40B4-BE49-F238E27FC236}">
+                <a16:creationId xmlns:a16="http://schemas.microsoft.com/office/drawing/2014/main" id="{34EC1D42-04EF-8C13-AC0D-C8AF672E4958}"/>
+              </a:ext>
+            </a:extLst>
+          </p:cNvPr>
+          <p:cNvCxnSpPr>
+            <a:cxnSpLocks/>
+          </p:cNvCxnSpPr>
+          <p:nvPr/>
+        </p:nvCxnSpPr>
+        <p:spPr>
+          <a:xfrm flipV="1">
+            <a:off x="5949478" y="2311109"/>
+            <a:ext cx="0" cy="213372"/>
+          </a:xfrm>
+          <a:prstGeom prst="straightConnector1">
+            <a:avLst/>
+          </a:prstGeom>
+          <a:noFill/>
+          <a:ln w="12700" cap="flat" cmpd="sng">
+            <a:solidFill>
+              <a:schemeClr val="accent3"/>
+            </a:solidFill>
+            <a:prstDash val="solid"/>
+            <a:round/>
+            <a:headEnd type="none" w="med" len="med"/>
+            <a:tailEnd type="stealth" w="med" len="med"/>
+          </a:ln>
+        </p:spPr>
+      </p:cxnSp>
+      <p:cxnSp>
+        <p:nvCxnSpPr>
+          <p:cNvPr id="118" name="Google Shape;279;p7">
+            <a:extLst>
+              <a:ext uri="{FF2B5EF4-FFF2-40B4-BE49-F238E27FC236}">
+                <a16:creationId xmlns:a16="http://schemas.microsoft.com/office/drawing/2014/main" id="{23A5910E-358F-9E38-B960-7E0E54044F4B}"/>
+              </a:ext>
+            </a:extLst>
+          </p:cNvPr>
+          <p:cNvCxnSpPr>
+            <a:cxnSpLocks/>
+          </p:cNvCxnSpPr>
+          <p:nvPr/>
+        </p:nvCxnSpPr>
+        <p:spPr>
+          <a:xfrm>
+            <a:off x="3774188" y="2948693"/>
+            <a:ext cx="879270" cy="0"/>
+          </a:xfrm>
+          <a:prstGeom prst="straightConnector1">
+            <a:avLst/>
+          </a:prstGeom>
+          <a:noFill/>
+          <a:ln w="12700" cap="flat" cmpd="sng">
+            <a:solidFill>
+              <a:schemeClr val="accent3"/>
+            </a:solidFill>
+            <a:prstDash val="solid"/>
+            <a:round/>
+            <a:headEnd type="stealth" w="med" len="med"/>
+            <a:tailEnd type="none" w="med" len="med"/>
+          </a:ln>
+        </p:spPr>
+      </p:cxnSp>
+      <p:cxnSp>
+        <p:nvCxnSpPr>
+          <p:cNvPr id="123" name="Google Shape;279;p7">
+            <a:extLst>
+              <a:ext uri="{FF2B5EF4-FFF2-40B4-BE49-F238E27FC236}">
+                <a16:creationId xmlns:a16="http://schemas.microsoft.com/office/drawing/2014/main" id="{2F260B82-370A-279F-8FD5-BCCC365E1118}"/>
+              </a:ext>
+            </a:extLst>
+          </p:cNvPr>
+          <p:cNvCxnSpPr>
+            <a:cxnSpLocks/>
+          </p:cNvCxnSpPr>
+          <p:nvPr/>
+        </p:nvCxnSpPr>
+        <p:spPr>
+          <a:xfrm>
+            <a:off x="5207226" y="2964871"/>
+            <a:ext cx="501453" cy="0"/>
+          </a:xfrm>
+          <a:prstGeom prst="straightConnector1">
+            <a:avLst/>
+          </a:prstGeom>
+          <a:noFill/>
+          <a:ln w="12700" cap="flat" cmpd="sng">
+            <a:solidFill>
+              <a:schemeClr val="accent3"/>
+            </a:solidFill>
+            <a:prstDash val="solid"/>
+            <a:round/>
+            <a:headEnd type="stealth" w="med" len="med"/>
+            <a:tailEnd type="none" w="med" len="med"/>
+          </a:ln>
+        </p:spPr>
+      </p:cxnSp>
+      <p:sp>
+        <p:nvSpPr>
+          <p:cNvPr id="126" name="Rectangle 125">
+            <a:extLst>
+              <a:ext uri="{FF2B5EF4-FFF2-40B4-BE49-F238E27FC236}">
+                <a16:creationId xmlns:a16="http://schemas.microsoft.com/office/drawing/2014/main" id="{FD0E0D8A-C30D-CBD9-0C72-182027EE7EB1}"/>
+              </a:ext>
+            </a:extLst>
+          </p:cNvPr>
+          <p:cNvSpPr/>
+          <p:nvPr/>
+        </p:nvSpPr>
+        <p:spPr>
+          <a:xfrm>
+            <a:off x="2732273" y="6369690"/>
+            <a:ext cx="835394" cy="697087"/>
+          </a:xfrm>
+          <a:prstGeom prst="rect">
+            <a:avLst/>
+          </a:prstGeom>
+          <a:noFill/>
+          <a:ln w="12700"/>
+        </p:spPr>
+        <p:style>
+          <a:lnRef idx="2">
+            <a:schemeClr val="accent1">
+              <a:shade val="50000"/>
+            </a:schemeClr>
+          </a:lnRef>
+          <a:fillRef idx="1">
+            <a:schemeClr val="accent1"/>
+          </a:fillRef>
+          <a:effectRef idx="0">
+            <a:schemeClr val="accent1"/>
+          </a:effectRef>
+          <a:fontRef idx="minor">
+            <a:schemeClr val="lt1"/>
+          </a:fontRef>
+        </p:style>
+        <p:txBody>
+          <a:bodyPr rtlCol="0" anchor="ctr"/>
+          <a:lstStyle/>
+          <a:p>
+            <a:pPr algn="ctr"/>
+            <a:r>
+              <a:rPr lang="en-KR" sz="1100" dirty="0">
+                <a:solidFill>
+                  <a:schemeClr val="tx1"/>
+                </a:solidFill>
+              </a:rPr>
+              <a:t>Gesture</a:t>
+            </a:r>
+          </a:p>
+          <a:p>
+            <a:pPr algn="ctr"/>
+            <a:r>
+              <a:rPr lang="en-KR" sz="1100" dirty="0">
+                <a:solidFill>
+                  <a:schemeClr val="tx1"/>
+                </a:solidFill>
+              </a:rPr>
+              <a:t>Analyzer</a:t>
+            </a:r>
+          </a:p>
+        </p:txBody>
+      </p:sp>
     </p:spTree>
     <p:extLst>
       <p:ext uri="{BB962C8B-B14F-4D97-AF65-F5344CB8AC3E}">
-        <p14:creationId xmlns:p14="http://schemas.microsoft.com/office/powerpoint/2010/main" val="1061243761"/>
+        <p14:creationId xmlns:p14="http://schemas.microsoft.com/office/powerpoint/2010/main" val="978255237"/>
       </p:ext>
     </p:extLst>
   </p:cSld>
